--- a/media/presentation.pptx
+++ b/media/presentation.pptx
@@ -268,7 +268,7 @@
           <a:p>
             <a:fld id="{26C298B7-CD99-4B57-B957-4BC44B7F4DE2}" type="datetimeFigureOut">
               <a:rPr lang="en-US" smtClean="0"/>
-              <a:t>3/9/2023</a:t>
+              <a:t>3/10/2023</a:t>
             </a:fld>
             <a:endParaRPr lang="en-US"/>
           </a:p>
@@ -466,7 +466,7 @@
           <a:p>
             <a:fld id="{26C298B7-CD99-4B57-B957-4BC44B7F4DE2}" type="datetimeFigureOut">
               <a:rPr lang="en-US" smtClean="0"/>
-              <a:t>3/9/2023</a:t>
+              <a:t>3/10/2023</a:t>
             </a:fld>
             <a:endParaRPr lang="en-US"/>
           </a:p>
@@ -674,7 +674,7 @@
           <a:p>
             <a:fld id="{26C298B7-CD99-4B57-B957-4BC44B7F4DE2}" type="datetimeFigureOut">
               <a:rPr lang="en-US" smtClean="0"/>
-              <a:t>3/9/2023</a:t>
+              <a:t>3/10/2023</a:t>
             </a:fld>
             <a:endParaRPr lang="en-US"/>
           </a:p>
@@ -872,7 +872,7 @@
           <a:p>
             <a:fld id="{26C298B7-CD99-4B57-B957-4BC44B7F4DE2}" type="datetimeFigureOut">
               <a:rPr lang="en-US" smtClean="0"/>
-              <a:t>3/9/2023</a:t>
+              <a:t>3/10/2023</a:t>
             </a:fld>
             <a:endParaRPr lang="en-US"/>
           </a:p>
@@ -1147,7 +1147,7 @@
           <a:p>
             <a:fld id="{26C298B7-CD99-4B57-B957-4BC44B7F4DE2}" type="datetimeFigureOut">
               <a:rPr lang="en-US" smtClean="0"/>
-              <a:t>3/9/2023</a:t>
+              <a:t>3/10/2023</a:t>
             </a:fld>
             <a:endParaRPr lang="en-US"/>
           </a:p>
@@ -1412,7 +1412,7 @@
           <a:p>
             <a:fld id="{26C298B7-CD99-4B57-B957-4BC44B7F4DE2}" type="datetimeFigureOut">
               <a:rPr lang="en-US" smtClean="0"/>
-              <a:t>3/9/2023</a:t>
+              <a:t>3/10/2023</a:t>
             </a:fld>
             <a:endParaRPr lang="en-US"/>
           </a:p>
@@ -1824,7 +1824,7 @@
           <a:p>
             <a:fld id="{26C298B7-CD99-4B57-B957-4BC44B7F4DE2}" type="datetimeFigureOut">
               <a:rPr lang="en-US" smtClean="0"/>
-              <a:t>3/9/2023</a:t>
+              <a:t>3/10/2023</a:t>
             </a:fld>
             <a:endParaRPr lang="en-US"/>
           </a:p>
@@ -1965,7 +1965,7 @@
           <a:p>
             <a:fld id="{26C298B7-CD99-4B57-B957-4BC44B7F4DE2}" type="datetimeFigureOut">
               <a:rPr lang="en-US" smtClean="0"/>
-              <a:t>3/9/2023</a:t>
+              <a:t>3/10/2023</a:t>
             </a:fld>
             <a:endParaRPr lang="en-US"/>
           </a:p>
@@ -2078,7 +2078,7 @@
           <a:p>
             <a:fld id="{26C298B7-CD99-4B57-B957-4BC44B7F4DE2}" type="datetimeFigureOut">
               <a:rPr lang="en-US" smtClean="0"/>
-              <a:t>3/9/2023</a:t>
+              <a:t>3/10/2023</a:t>
             </a:fld>
             <a:endParaRPr lang="en-US"/>
           </a:p>
@@ -2389,7 +2389,7 @@
           <a:p>
             <a:fld id="{26C298B7-CD99-4B57-B957-4BC44B7F4DE2}" type="datetimeFigureOut">
               <a:rPr lang="en-US" smtClean="0"/>
-              <a:t>3/9/2023</a:t>
+              <a:t>3/10/2023</a:t>
             </a:fld>
             <a:endParaRPr lang="en-US"/>
           </a:p>
@@ -2677,7 +2677,7 @@
           <a:p>
             <a:fld id="{26C298B7-CD99-4B57-B957-4BC44B7F4DE2}" type="datetimeFigureOut">
               <a:rPr lang="en-US" smtClean="0"/>
-              <a:t>3/9/2023</a:t>
+              <a:t>3/10/2023</a:t>
             </a:fld>
             <a:endParaRPr lang="en-US"/>
           </a:p>
@@ -2918,7 +2918,7 @@
           <a:p>
             <a:fld id="{26C298B7-CD99-4B57-B957-4BC44B7F4DE2}" type="datetimeFigureOut">
               <a:rPr lang="en-US" smtClean="0"/>
-              <a:t>3/9/2023</a:t>
+              <a:t>3/10/2023</a:t>
             </a:fld>
             <a:endParaRPr lang="en-US"/>
           </a:p>
